--- a/TRAVEL MATE.pptx
+++ b/TRAVEL MATE.pptx
@@ -13,7 +13,13 @@
     <p:sldId id="264" r:id="rId7"/>
     <p:sldId id="260" r:id="rId8"/>
     <p:sldId id="261" r:id="rId9"/>
-    <p:sldId id="262" r:id="rId10"/>
+    <p:sldId id="265" r:id="rId10"/>
+    <p:sldId id="266" r:id="rId11"/>
+    <p:sldId id="267" r:id="rId12"/>
+    <p:sldId id="268" r:id="rId13"/>
+    <p:sldId id="269" r:id="rId14"/>
+    <p:sldId id="270" r:id="rId15"/>
+    <p:sldId id="262" r:id="rId16"/>
   </p:sldIdLst>
   <p:sldSz cx="9144000" cy="6858000" type="screen4x3"/>
   <p:notesSz cx="6858000" cy="9144000"/>
@@ -307,7 +313,7 @@
           <a:p>
             <a:fld id="{F3D4FB33-3F37-4EFD-95EA-D25E5C17081A}" type="datetimeFigureOut">
               <a:rPr lang="en-IN" smtClean="0"/>
-              <a:t>25-05-2022</a:t>
+              <a:t>05-07-2022</a:t>
             </a:fld>
             <a:endParaRPr lang="en-IN"/>
           </a:p>
@@ -472,7 +478,7 @@
           <a:p>
             <a:fld id="{F3D4FB33-3F37-4EFD-95EA-D25E5C17081A}" type="datetimeFigureOut">
               <a:rPr lang="en-IN" smtClean="0"/>
-              <a:t>25-05-2022</a:t>
+              <a:t>05-07-2022</a:t>
             </a:fld>
             <a:endParaRPr lang="en-IN"/>
           </a:p>
@@ -647,7 +653,7 @@
           <a:p>
             <a:fld id="{F3D4FB33-3F37-4EFD-95EA-D25E5C17081A}" type="datetimeFigureOut">
               <a:rPr lang="en-IN" smtClean="0"/>
-              <a:t>25-05-2022</a:t>
+              <a:t>05-07-2022</a:t>
             </a:fld>
             <a:endParaRPr lang="en-IN"/>
           </a:p>
@@ -830,7 +836,7 @@
           <a:p>
             <a:fld id="{F3D4FB33-3F37-4EFD-95EA-D25E5C17081A}" type="datetimeFigureOut">
               <a:rPr lang="en-IN" smtClean="0"/>
-              <a:t>25-05-2022</a:t>
+              <a:t>05-07-2022</a:t>
             </a:fld>
             <a:endParaRPr lang="en-IN"/>
           </a:p>
@@ -1092,7 +1098,7 @@
           <a:p>
             <a:fld id="{F3D4FB33-3F37-4EFD-95EA-D25E5C17081A}" type="datetimeFigureOut">
               <a:rPr lang="en-IN" smtClean="0"/>
-              <a:t>25-05-2022</a:t>
+              <a:t>05-07-2022</a:t>
             </a:fld>
             <a:endParaRPr lang="en-IN"/>
           </a:p>
@@ -1440,7 +1446,7 @@
           <a:p>
             <a:fld id="{F3D4FB33-3F37-4EFD-95EA-D25E5C17081A}" type="datetimeFigureOut">
               <a:rPr lang="en-IN" smtClean="0"/>
-              <a:t>25-05-2022</a:t>
+              <a:t>05-07-2022</a:t>
             </a:fld>
             <a:endParaRPr lang="en-IN"/>
           </a:p>
@@ -1748,7 +1754,7 @@
           <a:p>
             <a:fld id="{F3D4FB33-3F37-4EFD-95EA-D25E5C17081A}" type="datetimeFigureOut">
               <a:rPr lang="en-IN" smtClean="0"/>
-              <a:t>25-05-2022</a:t>
+              <a:t>05-07-2022</a:t>
             </a:fld>
             <a:endParaRPr lang="en-IN"/>
           </a:p>
@@ -1975,7 +1981,7 @@
           <a:p>
             <a:fld id="{F3D4FB33-3F37-4EFD-95EA-D25E5C17081A}" type="datetimeFigureOut">
               <a:rPr lang="en-IN" smtClean="0"/>
-              <a:t>25-05-2022</a:t>
+              <a:t>05-07-2022</a:t>
             </a:fld>
             <a:endParaRPr lang="en-IN"/>
           </a:p>
@@ -2065,7 +2071,7 @@
           <a:p>
             <a:fld id="{F3D4FB33-3F37-4EFD-95EA-D25E5C17081A}" type="datetimeFigureOut">
               <a:rPr lang="en-IN" smtClean="0"/>
-              <a:t>25-05-2022</a:t>
+              <a:t>05-07-2022</a:t>
             </a:fld>
             <a:endParaRPr lang="en-IN"/>
           </a:p>
@@ -2353,7 +2359,7 @@
           <a:p>
             <a:fld id="{F3D4FB33-3F37-4EFD-95EA-D25E5C17081A}" type="datetimeFigureOut">
               <a:rPr lang="en-IN" smtClean="0"/>
-              <a:t>25-05-2022</a:t>
+              <a:t>05-07-2022</a:t>
             </a:fld>
             <a:endParaRPr lang="en-IN"/>
           </a:p>
@@ -2622,7 +2628,7 @@
           <a:p>
             <a:fld id="{F3D4FB33-3F37-4EFD-95EA-D25E5C17081A}" type="datetimeFigureOut">
               <a:rPr lang="en-IN" smtClean="0"/>
-              <a:t>25-05-2022</a:t>
+              <a:t>05-07-2022</a:t>
             </a:fld>
             <a:endParaRPr lang="en-IN"/>
           </a:p>
@@ -2832,7 +2838,7 @@
           <a:p>
             <a:fld id="{F3D4FB33-3F37-4EFD-95EA-D25E5C17081A}" type="datetimeFigureOut">
               <a:rPr lang="en-IN" smtClean="0"/>
-              <a:t>25-05-2022</a:t>
+              <a:t>05-07-2022</a:t>
             </a:fld>
             <a:endParaRPr lang="en-IN"/>
           </a:p>
@@ -3408,13 +3414,21 @@
             </a:r>
             <a:r>
               <a:rPr lang="en-US" dirty="0" smtClean="0"/>
-              <a:t> P</a:t>
-            </a:r>
-          </a:p>
-          <a:p>
+              <a:t> </a:t>
+            </a:r>
             <a:r>
               <a:rPr lang="en-US" dirty="0" smtClean="0"/>
-              <a:t>                               MCA  A Batch</a:t>
+              <a:t>P</a:t>
+            </a:r>
+          </a:p>
+          <a:p>
+            <a:r>
+              <a:rPr lang="en-US" dirty="0" smtClean="0"/>
+              <a:t>                            MCA  </a:t>
+            </a:r>
+            <a:r>
+              <a:rPr lang="en-US" dirty="0" smtClean="0"/>
+              <a:t>A Batch</a:t>
             </a:r>
             <a:endParaRPr lang="en-IN" dirty="0"/>
           </a:p>
@@ -3424,6 +3438,738 @@
     <p:extLst>
       <p:ext uri="{BB962C8B-B14F-4D97-AF65-F5344CB8AC3E}">
         <p14:creationId xmlns:p14="http://schemas.microsoft.com/office/powerpoint/2010/main" val="937003509"/>
+      </p:ext>
+    </p:extLst>
+  </p:cSld>
+  <p:clrMapOvr>
+    <a:masterClrMapping/>
+  </p:clrMapOvr>
+  <p:timing>
+    <p:tnLst>
+      <p:par>
+        <p:cTn id="1" dur="indefinite" restart="never" nodeType="tmRoot"/>
+      </p:par>
+    </p:tnLst>
+  </p:timing>
+</p:sld>
+</file>
+
+<file path=ppt/slides/slide10.xml><?xml version="1.0" encoding="utf-8"?>
+<p:sld xmlns:a="http://schemas.openxmlformats.org/drawingml/2006/main" xmlns:r="http://schemas.openxmlformats.org/officeDocument/2006/relationships" xmlns:p="http://schemas.openxmlformats.org/presentationml/2006/main">
+  <p:cSld>
+    <p:spTree>
+      <p:nvGrpSpPr>
+        <p:cNvPr id="1" name=""/>
+        <p:cNvGrpSpPr/>
+        <p:nvPr/>
+      </p:nvGrpSpPr>
+      <p:grpSpPr>
+        <a:xfrm>
+          <a:off x="0" y="0"/>
+          <a:ext cx="0" cy="0"/>
+          <a:chOff x="0" y="0"/>
+          <a:chExt cx="0" cy="0"/>
+        </a:xfrm>
+      </p:grpSpPr>
+      <p:sp>
+        <p:nvSpPr>
+          <p:cNvPr id="2" name="Title 1"/>
+          <p:cNvSpPr>
+            <a:spLocks noGrp="1"/>
+          </p:cNvSpPr>
+          <p:nvPr>
+            <p:ph type="title"/>
+          </p:nvPr>
+        </p:nvSpPr>
+        <p:spPr/>
+        <p:txBody>
+          <a:bodyPr/>
+          <a:lstStyle/>
+          <a:p>
+            <a:endParaRPr lang="en-IN"/>
+          </a:p>
+        </p:txBody>
+      </p:sp>
+      <p:sp>
+        <p:nvSpPr>
+          <p:cNvPr id="3" name="Content Placeholder 2"/>
+          <p:cNvSpPr>
+            <a:spLocks noGrp="1"/>
+          </p:cNvSpPr>
+          <p:nvPr>
+            <p:ph idx="1"/>
+          </p:nvPr>
+        </p:nvSpPr>
+        <p:spPr/>
+        <p:txBody>
+          <a:bodyPr/>
+          <a:lstStyle/>
+          <a:p>
+            <a:r>
+              <a:rPr lang="en-US" dirty="0" err="1" smtClean="0"/>
+              <a:t>Registeration</a:t>
+            </a:r>
+            <a:r>
+              <a:rPr lang="en-US" dirty="0" smtClean="0"/>
+              <a:t>                                     Home page</a:t>
+            </a:r>
+            <a:endParaRPr lang="en-IN" dirty="0"/>
+          </a:p>
+        </p:txBody>
+      </p:sp>
+      <p:pic>
+        <p:nvPicPr>
+          <p:cNvPr id="6" name="Picture 5"/>
+          <p:cNvPicPr>
+            <a:picLocks noChangeAspect="1"/>
+          </p:cNvPicPr>
+          <p:nvPr/>
+        </p:nvPicPr>
+        <p:blipFill>
+          <a:blip r:embed="rId2" cstate="print">
+            <a:extLst>
+              <a:ext uri="{28A0092B-C50C-407E-A947-70E740481C1C}">
+                <a14:useLocalDpi xmlns:a14="http://schemas.microsoft.com/office/drawing/2010/main" val="0"/>
+              </a:ext>
+            </a:extLst>
+          </a:blip>
+          <a:stretch>
+            <a:fillRect/>
+          </a:stretch>
+        </p:blipFill>
+        <p:spPr>
+          <a:xfrm>
+            <a:off x="827584" y="2204864"/>
+            <a:ext cx="2088232" cy="4104456"/>
+          </a:xfrm>
+          <a:prstGeom prst="rect">
+            <a:avLst/>
+          </a:prstGeom>
+        </p:spPr>
+      </p:pic>
+      <p:pic>
+        <p:nvPicPr>
+          <p:cNvPr id="7" name="Picture 6"/>
+          <p:cNvPicPr>
+            <a:picLocks noChangeAspect="1"/>
+          </p:cNvPicPr>
+          <p:nvPr/>
+        </p:nvPicPr>
+        <p:blipFill>
+          <a:blip r:embed="rId3" cstate="print">
+            <a:extLst>
+              <a:ext uri="{28A0092B-C50C-407E-A947-70E740481C1C}">
+                <a14:useLocalDpi xmlns:a14="http://schemas.microsoft.com/office/drawing/2010/main" val="0"/>
+              </a:ext>
+            </a:extLst>
+          </a:blip>
+          <a:stretch>
+            <a:fillRect/>
+          </a:stretch>
+        </p:blipFill>
+        <p:spPr>
+          <a:xfrm>
+            <a:off x="5790597" y="2204864"/>
+            <a:ext cx="1960834" cy="4248472"/>
+          </a:xfrm>
+          <a:prstGeom prst="rect">
+            <a:avLst/>
+          </a:prstGeom>
+        </p:spPr>
+      </p:pic>
+    </p:spTree>
+    <p:extLst>
+      <p:ext uri="{BB962C8B-B14F-4D97-AF65-F5344CB8AC3E}">
+        <p14:creationId xmlns:p14="http://schemas.microsoft.com/office/powerpoint/2010/main" val="474109068"/>
+      </p:ext>
+    </p:extLst>
+  </p:cSld>
+  <p:clrMapOvr>
+    <a:masterClrMapping/>
+  </p:clrMapOvr>
+</p:sld>
+</file>
+
+<file path=ppt/slides/slide11.xml><?xml version="1.0" encoding="utf-8"?>
+<p:sld xmlns:a="http://schemas.openxmlformats.org/drawingml/2006/main" xmlns:r="http://schemas.openxmlformats.org/officeDocument/2006/relationships" xmlns:p="http://schemas.openxmlformats.org/presentationml/2006/main">
+  <p:cSld>
+    <p:spTree>
+      <p:nvGrpSpPr>
+        <p:cNvPr id="1" name=""/>
+        <p:cNvGrpSpPr/>
+        <p:nvPr/>
+      </p:nvGrpSpPr>
+      <p:grpSpPr>
+        <a:xfrm>
+          <a:off x="0" y="0"/>
+          <a:ext cx="0" cy="0"/>
+          <a:chOff x="0" y="0"/>
+          <a:chExt cx="0" cy="0"/>
+        </a:xfrm>
+      </p:grpSpPr>
+      <p:sp>
+        <p:nvSpPr>
+          <p:cNvPr id="2" name="Title 1"/>
+          <p:cNvSpPr>
+            <a:spLocks noGrp="1"/>
+          </p:cNvSpPr>
+          <p:nvPr>
+            <p:ph type="title"/>
+          </p:nvPr>
+        </p:nvSpPr>
+        <p:spPr/>
+        <p:txBody>
+          <a:bodyPr/>
+          <a:lstStyle/>
+          <a:p>
+            <a:endParaRPr lang="en-IN"/>
+          </a:p>
+        </p:txBody>
+      </p:sp>
+      <p:sp>
+        <p:nvSpPr>
+          <p:cNvPr id="3" name="Content Placeholder 2"/>
+          <p:cNvSpPr>
+            <a:spLocks noGrp="1"/>
+          </p:cNvSpPr>
+          <p:nvPr>
+            <p:ph idx="1"/>
+          </p:nvPr>
+        </p:nvSpPr>
+        <p:spPr/>
+        <p:txBody>
+          <a:bodyPr/>
+          <a:lstStyle/>
+          <a:p>
+            <a:r>
+              <a:rPr lang="en-US" dirty="0" smtClean="0"/>
+              <a:t>Trekking                              Booking</a:t>
+            </a:r>
+            <a:endParaRPr lang="en-IN" dirty="0"/>
+          </a:p>
+        </p:txBody>
+      </p:sp>
+      <p:pic>
+        <p:nvPicPr>
+          <p:cNvPr id="4" name="Picture 3"/>
+          <p:cNvPicPr>
+            <a:picLocks noChangeAspect="1"/>
+          </p:cNvPicPr>
+          <p:nvPr/>
+        </p:nvPicPr>
+        <p:blipFill>
+          <a:blip r:embed="rId2" cstate="print">
+            <a:extLst>
+              <a:ext uri="{28A0092B-C50C-407E-A947-70E740481C1C}">
+                <a14:useLocalDpi xmlns:a14="http://schemas.microsoft.com/office/drawing/2010/main" val="0"/>
+              </a:ext>
+            </a:extLst>
+          </a:blip>
+          <a:stretch>
+            <a:fillRect/>
+          </a:stretch>
+        </p:blipFill>
+        <p:spPr>
+          <a:xfrm>
+            <a:off x="683568" y="2204864"/>
+            <a:ext cx="1872208" cy="4056450"/>
+          </a:xfrm>
+          <a:prstGeom prst="rect">
+            <a:avLst/>
+          </a:prstGeom>
+        </p:spPr>
+      </p:pic>
+      <p:pic>
+        <p:nvPicPr>
+          <p:cNvPr id="5" name="Picture 4"/>
+          <p:cNvPicPr>
+            <a:picLocks noChangeAspect="1"/>
+          </p:cNvPicPr>
+          <p:nvPr/>
+        </p:nvPicPr>
+        <p:blipFill>
+          <a:blip r:embed="rId3" cstate="print">
+            <a:extLst>
+              <a:ext uri="{28A0092B-C50C-407E-A947-70E740481C1C}">
+                <a14:useLocalDpi xmlns:a14="http://schemas.microsoft.com/office/drawing/2010/main" val="0"/>
+              </a:ext>
+            </a:extLst>
+          </a:blip>
+          <a:stretch>
+            <a:fillRect/>
+          </a:stretch>
+        </p:blipFill>
+        <p:spPr>
+          <a:xfrm>
+            <a:off x="4644008" y="2060849"/>
+            <a:ext cx="1944216" cy="4212468"/>
+          </a:xfrm>
+          <a:prstGeom prst="rect">
+            <a:avLst/>
+          </a:prstGeom>
+        </p:spPr>
+      </p:pic>
+    </p:spTree>
+    <p:extLst>
+      <p:ext uri="{BB962C8B-B14F-4D97-AF65-F5344CB8AC3E}">
+        <p14:creationId xmlns:p14="http://schemas.microsoft.com/office/powerpoint/2010/main" val="2371154867"/>
+      </p:ext>
+    </p:extLst>
+  </p:cSld>
+  <p:clrMapOvr>
+    <a:masterClrMapping/>
+  </p:clrMapOvr>
+</p:sld>
+</file>
+
+<file path=ppt/slides/slide12.xml><?xml version="1.0" encoding="utf-8"?>
+<p:sld xmlns:a="http://schemas.openxmlformats.org/drawingml/2006/main" xmlns:r="http://schemas.openxmlformats.org/officeDocument/2006/relationships" xmlns:p="http://schemas.openxmlformats.org/presentationml/2006/main">
+  <p:cSld>
+    <p:spTree>
+      <p:nvGrpSpPr>
+        <p:cNvPr id="1" name=""/>
+        <p:cNvGrpSpPr/>
+        <p:nvPr/>
+      </p:nvGrpSpPr>
+      <p:grpSpPr>
+        <a:xfrm>
+          <a:off x="0" y="0"/>
+          <a:ext cx="0" cy="0"/>
+          <a:chOff x="0" y="0"/>
+          <a:chExt cx="0" cy="0"/>
+        </a:xfrm>
+      </p:grpSpPr>
+      <p:sp>
+        <p:nvSpPr>
+          <p:cNvPr id="2" name="Title 1"/>
+          <p:cNvSpPr>
+            <a:spLocks noGrp="1"/>
+          </p:cNvSpPr>
+          <p:nvPr>
+            <p:ph type="title"/>
+          </p:nvPr>
+        </p:nvSpPr>
+        <p:spPr/>
+        <p:txBody>
+          <a:bodyPr/>
+          <a:lstStyle/>
+          <a:p>
+            <a:endParaRPr lang="en-IN"/>
+          </a:p>
+        </p:txBody>
+      </p:sp>
+      <p:sp>
+        <p:nvSpPr>
+          <p:cNvPr id="3" name="Content Placeholder 2"/>
+          <p:cNvSpPr>
+            <a:spLocks noGrp="1"/>
+          </p:cNvSpPr>
+          <p:nvPr>
+            <p:ph idx="1"/>
+          </p:nvPr>
+        </p:nvSpPr>
+        <p:spPr/>
+        <p:txBody>
+          <a:bodyPr/>
+          <a:lstStyle/>
+          <a:p>
+            <a:r>
+              <a:rPr lang="en-US" dirty="0" smtClean="0"/>
+              <a:t>Review                                           Expense note</a:t>
+            </a:r>
+            <a:endParaRPr lang="en-IN" dirty="0"/>
+          </a:p>
+        </p:txBody>
+      </p:sp>
+      <p:pic>
+        <p:nvPicPr>
+          <p:cNvPr id="4" name="Picture 3"/>
+          <p:cNvPicPr>
+            <a:picLocks noChangeAspect="1"/>
+          </p:cNvPicPr>
+          <p:nvPr/>
+        </p:nvPicPr>
+        <p:blipFill>
+          <a:blip r:embed="rId2" cstate="print">
+            <a:extLst>
+              <a:ext uri="{28A0092B-C50C-407E-A947-70E740481C1C}">
+                <a14:useLocalDpi xmlns:a14="http://schemas.microsoft.com/office/drawing/2010/main" val="0"/>
+              </a:ext>
+            </a:extLst>
+          </a:blip>
+          <a:stretch>
+            <a:fillRect/>
+          </a:stretch>
+        </p:blipFill>
+        <p:spPr>
+          <a:xfrm>
+            <a:off x="611560" y="2132856"/>
+            <a:ext cx="2160240" cy="4320480"/>
+          </a:xfrm>
+          <a:prstGeom prst="rect">
+            <a:avLst/>
+          </a:prstGeom>
+        </p:spPr>
+      </p:pic>
+      <p:pic>
+        <p:nvPicPr>
+          <p:cNvPr id="6" name="Picture 5"/>
+          <p:cNvPicPr>
+            <a:picLocks noChangeAspect="1"/>
+          </p:cNvPicPr>
+          <p:nvPr/>
+        </p:nvPicPr>
+        <p:blipFill>
+          <a:blip r:embed="rId3" cstate="print">
+            <a:extLst>
+              <a:ext uri="{28A0092B-C50C-407E-A947-70E740481C1C}">
+                <a14:useLocalDpi xmlns:a14="http://schemas.microsoft.com/office/drawing/2010/main" val="0"/>
+              </a:ext>
+            </a:extLst>
+          </a:blip>
+          <a:stretch>
+            <a:fillRect/>
+          </a:stretch>
+        </p:blipFill>
+        <p:spPr>
+          <a:xfrm>
+            <a:off x="5456290" y="2132856"/>
+            <a:ext cx="2068037" cy="4320480"/>
+          </a:xfrm>
+          <a:prstGeom prst="rect">
+            <a:avLst/>
+          </a:prstGeom>
+        </p:spPr>
+      </p:pic>
+    </p:spTree>
+    <p:extLst>
+      <p:ext uri="{BB962C8B-B14F-4D97-AF65-F5344CB8AC3E}">
+        <p14:creationId xmlns:p14="http://schemas.microsoft.com/office/powerpoint/2010/main" val="947733249"/>
+      </p:ext>
+    </p:extLst>
+  </p:cSld>
+  <p:clrMapOvr>
+    <a:masterClrMapping/>
+  </p:clrMapOvr>
+</p:sld>
+</file>
+
+<file path=ppt/slides/slide13.xml><?xml version="1.0" encoding="utf-8"?>
+<p:sld xmlns:a="http://schemas.openxmlformats.org/drawingml/2006/main" xmlns:r="http://schemas.openxmlformats.org/officeDocument/2006/relationships" xmlns:p="http://schemas.openxmlformats.org/presentationml/2006/main">
+  <p:cSld>
+    <p:spTree>
+      <p:nvGrpSpPr>
+        <p:cNvPr id="1" name=""/>
+        <p:cNvGrpSpPr/>
+        <p:nvPr/>
+      </p:nvGrpSpPr>
+      <p:grpSpPr>
+        <a:xfrm>
+          <a:off x="0" y="0"/>
+          <a:ext cx="0" cy="0"/>
+          <a:chOff x="0" y="0"/>
+          <a:chExt cx="0" cy="0"/>
+        </a:xfrm>
+      </p:grpSpPr>
+      <p:sp>
+        <p:nvSpPr>
+          <p:cNvPr id="2" name="Title 1"/>
+          <p:cNvSpPr>
+            <a:spLocks noGrp="1"/>
+          </p:cNvSpPr>
+          <p:nvPr>
+            <p:ph type="title"/>
+          </p:nvPr>
+        </p:nvSpPr>
+        <p:spPr/>
+        <p:txBody>
+          <a:bodyPr/>
+          <a:lstStyle/>
+          <a:p>
+            <a:endParaRPr lang="en-IN"/>
+          </a:p>
+        </p:txBody>
+      </p:sp>
+      <p:sp>
+        <p:nvSpPr>
+          <p:cNvPr id="3" name="Content Placeholder 2"/>
+          <p:cNvSpPr>
+            <a:spLocks noGrp="1"/>
+          </p:cNvSpPr>
+          <p:nvPr>
+            <p:ph idx="1"/>
+          </p:nvPr>
+        </p:nvSpPr>
+        <p:spPr/>
+        <p:txBody>
+          <a:bodyPr/>
+          <a:lstStyle/>
+          <a:p>
+            <a:r>
+              <a:rPr lang="en-US" dirty="0" smtClean="0"/>
+              <a:t>Profile</a:t>
+            </a:r>
+          </a:p>
+          <a:p>
+            <a:endParaRPr lang="en-IN" dirty="0"/>
+          </a:p>
+        </p:txBody>
+      </p:sp>
+      <p:pic>
+        <p:nvPicPr>
+          <p:cNvPr id="4" name="Picture 3"/>
+          <p:cNvPicPr>
+            <a:picLocks noChangeAspect="1"/>
+          </p:cNvPicPr>
+          <p:nvPr/>
+        </p:nvPicPr>
+        <p:blipFill>
+          <a:blip r:embed="rId2" cstate="print">
+            <a:extLst>
+              <a:ext uri="{28A0092B-C50C-407E-A947-70E740481C1C}">
+                <a14:useLocalDpi xmlns:a14="http://schemas.microsoft.com/office/drawing/2010/main" val="0"/>
+              </a:ext>
+            </a:extLst>
+          </a:blip>
+          <a:stretch>
+            <a:fillRect/>
+          </a:stretch>
+        </p:blipFill>
+        <p:spPr>
+          <a:xfrm>
+            <a:off x="668839" y="2132856"/>
+            <a:ext cx="1981429" cy="4293096"/>
+          </a:xfrm>
+          <a:prstGeom prst="rect">
+            <a:avLst/>
+          </a:prstGeom>
+        </p:spPr>
+      </p:pic>
+    </p:spTree>
+    <p:extLst>
+      <p:ext uri="{BB962C8B-B14F-4D97-AF65-F5344CB8AC3E}">
+        <p14:creationId xmlns:p14="http://schemas.microsoft.com/office/powerpoint/2010/main" val="638987634"/>
+      </p:ext>
+    </p:extLst>
+  </p:cSld>
+  <p:clrMapOvr>
+    <a:masterClrMapping/>
+  </p:clrMapOvr>
+</p:sld>
+</file>
+
+<file path=ppt/slides/slide14.xml><?xml version="1.0" encoding="utf-8"?>
+<p:sld xmlns:a="http://schemas.openxmlformats.org/drawingml/2006/main" xmlns:r="http://schemas.openxmlformats.org/officeDocument/2006/relationships" xmlns:p="http://schemas.openxmlformats.org/presentationml/2006/main">
+  <p:cSld>
+    <p:spTree>
+      <p:nvGrpSpPr>
+        <p:cNvPr id="1" name=""/>
+        <p:cNvGrpSpPr/>
+        <p:nvPr/>
+      </p:nvGrpSpPr>
+      <p:grpSpPr>
+        <a:xfrm>
+          <a:off x="0" y="0"/>
+          <a:ext cx="0" cy="0"/>
+          <a:chOff x="0" y="0"/>
+          <a:chExt cx="0" cy="0"/>
+        </a:xfrm>
+      </p:grpSpPr>
+      <p:sp>
+        <p:nvSpPr>
+          <p:cNvPr id="2" name="Title 1"/>
+          <p:cNvSpPr>
+            <a:spLocks noGrp="1"/>
+          </p:cNvSpPr>
+          <p:nvPr>
+            <p:ph type="title"/>
+          </p:nvPr>
+        </p:nvSpPr>
+        <p:spPr/>
+        <p:txBody>
+          <a:bodyPr/>
+          <a:lstStyle/>
+          <a:p>
+            <a:r>
+              <a:rPr lang="en-US" dirty="0" smtClean="0"/>
+              <a:t>Future Enhancement</a:t>
+            </a:r>
+            <a:endParaRPr lang="en-IN" dirty="0"/>
+          </a:p>
+        </p:txBody>
+      </p:sp>
+      <p:sp>
+        <p:nvSpPr>
+          <p:cNvPr id="3" name="Content Placeholder 2"/>
+          <p:cNvSpPr>
+            <a:spLocks noGrp="1"/>
+          </p:cNvSpPr>
+          <p:nvPr>
+            <p:ph idx="1"/>
+          </p:nvPr>
+        </p:nvSpPr>
+        <p:spPr/>
+        <p:txBody>
+          <a:bodyPr/>
+          <a:lstStyle/>
+          <a:p>
+            <a:r>
+              <a:rPr lang="en-US" dirty="0" smtClean="0">
+                <a:latin typeface="Times New Roman" panose="02020603050405020304" pitchFamily="18" charset="0"/>
+                <a:cs typeface="Times New Roman" panose="02020603050405020304" pitchFamily="18" charset="0"/>
+              </a:rPr>
+              <a:t>In future the application can include an option for adding the travel </a:t>
+            </a:r>
+            <a:r>
+              <a:rPr lang="en-US" dirty="0" err="1" smtClean="0">
+                <a:latin typeface="Times New Roman" panose="02020603050405020304" pitchFamily="18" charset="0"/>
+                <a:cs typeface="Times New Roman" panose="02020603050405020304" pitchFamily="18" charset="0"/>
+              </a:rPr>
+              <a:t>vlog,provide</a:t>
+            </a:r>
+            <a:r>
+              <a:rPr lang="en-US" dirty="0" smtClean="0">
+                <a:latin typeface="Times New Roman" panose="02020603050405020304" pitchFamily="18" charset="0"/>
+                <a:cs typeface="Times New Roman" panose="02020603050405020304" pitchFamily="18" charset="0"/>
+              </a:rPr>
+              <a:t> a platform for the travelers they can share their experience through photos or vlogs</a:t>
+            </a:r>
+          </a:p>
+          <a:p>
+            <a:r>
+              <a:rPr lang="en-US" dirty="0" smtClean="0">
+                <a:latin typeface="Times New Roman" panose="02020603050405020304" pitchFamily="18" charset="0"/>
+                <a:cs typeface="Times New Roman" panose="02020603050405020304" pitchFamily="18" charset="0"/>
+              </a:rPr>
+              <a:t> in future give an feature that the blind can also use the app with the help of a voice assistant</a:t>
+            </a:r>
+          </a:p>
+          <a:p>
+            <a:r>
+              <a:rPr lang="en-US" dirty="0" smtClean="0">
+                <a:latin typeface="Times New Roman" panose="02020603050405020304" pitchFamily="18" charset="0"/>
+                <a:cs typeface="Times New Roman" panose="02020603050405020304" pitchFamily="18" charset="0"/>
+              </a:rPr>
+              <a:t>To add a module guide booking for assist the </a:t>
+            </a:r>
+            <a:r>
+              <a:rPr lang="en-US" dirty="0" err="1" smtClean="0">
+                <a:latin typeface="Times New Roman" panose="02020603050405020304" pitchFamily="18" charset="0"/>
+                <a:cs typeface="Times New Roman" panose="02020603050405020304" pitchFamily="18" charset="0"/>
+              </a:rPr>
+              <a:t>user,it</a:t>
+            </a:r>
+            <a:r>
+              <a:rPr lang="en-US" dirty="0" smtClean="0">
+                <a:latin typeface="Times New Roman" panose="02020603050405020304" pitchFamily="18" charset="0"/>
+                <a:cs typeface="Times New Roman" panose="02020603050405020304" pitchFamily="18" charset="0"/>
+              </a:rPr>
+              <a:t> helps to unemployed people can work as a guide </a:t>
+            </a:r>
+            <a:endParaRPr lang="en-IN" dirty="0">
+              <a:latin typeface="Times New Roman" panose="02020603050405020304" pitchFamily="18" charset="0"/>
+              <a:cs typeface="Times New Roman" panose="02020603050405020304" pitchFamily="18" charset="0"/>
+            </a:endParaRPr>
+          </a:p>
+        </p:txBody>
+      </p:sp>
+    </p:spTree>
+    <p:extLst>
+      <p:ext uri="{BB962C8B-B14F-4D97-AF65-F5344CB8AC3E}">
+        <p14:creationId xmlns:p14="http://schemas.microsoft.com/office/powerpoint/2010/main" val="4008290986"/>
+      </p:ext>
+    </p:extLst>
+  </p:cSld>
+  <p:clrMapOvr>
+    <a:masterClrMapping/>
+  </p:clrMapOvr>
+</p:sld>
+</file>
+
+<file path=ppt/slides/slide15.xml><?xml version="1.0" encoding="utf-8"?>
+<p:sld xmlns:a="http://schemas.openxmlformats.org/drawingml/2006/main" xmlns:r="http://schemas.openxmlformats.org/officeDocument/2006/relationships" xmlns:p="http://schemas.openxmlformats.org/presentationml/2006/main">
+  <p:cSld>
+    <p:spTree>
+      <p:nvGrpSpPr>
+        <p:cNvPr id="1" name=""/>
+        <p:cNvGrpSpPr/>
+        <p:nvPr/>
+      </p:nvGrpSpPr>
+      <p:grpSpPr>
+        <a:xfrm>
+          <a:off x="0" y="0"/>
+          <a:ext cx="0" cy="0"/>
+          <a:chOff x="0" y="0"/>
+          <a:chExt cx="0" cy="0"/>
+        </a:xfrm>
+      </p:grpSpPr>
+      <p:sp>
+        <p:nvSpPr>
+          <p:cNvPr id="3" name="Content Placeholder 2"/>
+          <p:cNvSpPr>
+            <a:spLocks noGrp="1"/>
+          </p:cNvSpPr>
+          <p:nvPr>
+            <p:ph idx="1"/>
+          </p:nvPr>
+        </p:nvSpPr>
+        <p:spPr/>
+        <p:txBody>
+          <a:bodyPr/>
+          <a:lstStyle/>
+          <a:p>
+            <a:endParaRPr lang="en-US" dirty="0" smtClean="0"/>
+          </a:p>
+          <a:p>
+            <a:endParaRPr lang="en-US" dirty="0"/>
+          </a:p>
+          <a:p>
+            <a:endParaRPr lang="en-US" dirty="0" smtClean="0"/>
+          </a:p>
+          <a:p>
+            <a:endParaRPr lang="en-US" dirty="0"/>
+          </a:p>
+          <a:p>
+            <a:endParaRPr lang="en-US" dirty="0" smtClean="0"/>
+          </a:p>
+          <a:p>
+            <a:pPr marL="0" indent="0" algn="ctr">
+              <a:buNone/>
+            </a:pPr>
+            <a:r>
+              <a:rPr lang="en-US" sz="8800" b="1" dirty="0" smtClean="0">
+                <a:solidFill>
+                  <a:schemeClr val="tx1"/>
+                </a:solidFill>
+                <a:effectLst>
+                  <a:outerShdw blurRad="38100" dist="38100" dir="2700000" algn="tl">
+                    <a:srgbClr val="000000">
+                      <a:alpha val="43137"/>
+                    </a:srgbClr>
+                  </a:outerShdw>
+                </a:effectLst>
+              </a:rPr>
+              <a:t>THANK YOU</a:t>
+            </a:r>
+            <a:endParaRPr lang="en-IN" sz="8800" b="1" dirty="0">
+              <a:solidFill>
+                <a:schemeClr val="tx1"/>
+              </a:solidFill>
+              <a:effectLst>
+                <a:outerShdw blurRad="38100" dist="38100" dir="2700000" algn="tl">
+                  <a:srgbClr val="000000">
+                    <a:alpha val="43137"/>
+                  </a:srgbClr>
+                </a:outerShdw>
+              </a:effectLst>
+            </a:endParaRPr>
+          </a:p>
+        </p:txBody>
+      </p:sp>
+    </p:spTree>
+    <p:extLst>
+      <p:ext uri="{BB962C8B-B14F-4D97-AF65-F5344CB8AC3E}">
+        <p14:creationId xmlns:p14="http://schemas.microsoft.com/office/powerpoint/2010/main" val="2566066721"/>
       </p:ext>
     </p:extLst>
   </p:cSld>
@@ -3692,41 +4438,24 @@
               <a:t>, by providing the particular </a:t>
             </a:r>
             <a:r>
-              <a:rPr lang="en-US" dirty="0" err="1" smtClean="0">
-                <a:latin typeface="Times New Roman" panose="02020603050405020304" pitchFamily="18" charset="0"/>
-                <a:cs typeface="Times New Roman" panose="02020603050405020304" pitchFamily="18" charset="0"/>
-              </a:rPr>
-              <a:t>dates.user</a:t>
-            </a:r>
-            <a:r>
               <a:rPr lang="en-US" dirty="0" smtClean="0">
                 <a:latin typeface="Times New Roman" panose="02020603050405020304" pitchFamily="18" charset="0"/>
                 <a:cs typeface="Times New Roman" panose="02020603050405020304" pitchFamily="18" charset="0"/>
               </a:rPr>
-              <a:t> get the notification/updates about the booking</a:t>
-            </a:r>
+              <a:t>dates.</a:t>
+            </a:r>
+            <a:endParaRPr lang="en-US" dirty="0" smtClean="0">
+              <a:latin typeface="Times New Roman" panose="02020603050405020304" pitchFamily="18" charset="0"/>
+              <a:cs typeface="Times New Roman" panose="02020603050405020304" pitchFamily="18" charset="0"/>
+            </a:endParaRPr>
+          </a:p>
+          <a:p>
             <a:r>
               <a:rPr lang="en-US" dirty="0" smtClean="0">
                 <a:latin typeface="Times New Roman" panose="02020603050405020304" pitchFamily="18" charset="0"/>
                 <a:cs typeface="Times New Roman" panose="02020603050405020304" pitchFamily="18" charset="0"/>
               </a:rPr>
-              <a:t>.</a:t>
-            </a:r>
-          </a:p>
-          <a:p>
-            <a:r>
-              <a:rPr lang="en-US" dirty="0" smtClean="0">
-                <a:latin typeface="Times New Roman" panose="02020603050405020304" pitchFamily="18" charset="0"/>
-                <a:cs typeface="Times New Roman" panose="02020603050405020304" pitchFamily="18" charset="0"/>
-              </a:rPr>
-              <a:t>The </a:t>
-            </a:r>
-            <a:r>
-              <a:rPr lang="en-US" dirty="0" smtClean="0">
-                <a:latin typeface="Times New Roman" panose="02020603050405020304" pitchFamily="18" charset="0"/>
-                <a:cs typeface="Times New Roman" panose="02020603050405020304" pitchFamily="18" charset="0"/>
-              </a:rPr>
-              <a:t>application also provide the user a feature through which they could mark the place in their </a:t>
+              <a:t>The application also provide the user a feature through which they could mark the place in their </a:t>
             </a:r>
             <a:r>
               <a:rPr lang="en-US" dirty="0" err="1" smtClean="0">
@@ -3906,14 +4635,7 @@
                 <a:latin typeface="Times New Roman" panose="02020603050405020304" pitchFamily="18" charset="0"/>
                 <a:cs typeface="Times New Roman" panose="02020603050405020304" pitchFamily="18" charset="0"/>
               </a:rPr>
-              <a:t> </a:t>
-            </a:r>
-            <a:r>
-              <a:rPr lang="en-US" smtClean="0">
-                <a:latin typeface="Times New Roman" panose="02020603050405020304" pitchFamily="18" charset="0"/>
-                <a:cs typeface="Times New Roman" panose="02020603050405020304" pitchFamily="18" charset="0"/>
-              </a:rPr>
-              <a:t>booking  </a:t>
+              <a:t> booking  </a:t>
             </a:r>
             <a:r>
               <a:rPr lang="en-US" dirty="0" err="1" smtClean="0">
@@ -3941,8 +4663,19 @@
                 <a:latin typeface="Times New Roman" panose="02020603050405020304" pitchFamily="18" charset="0"/>
                 <a:cs typeface="Times New Roman" panose="02020603050405020304" pitchFamily="18" charset="0"/>
               </a:rPr>
-              <a:t> list and also have an sharing option to the family/friends.</a:t>
-            </a:r>
+              <a:t> list </a:t>
+            </a:r>
+            <a:r>
+              <a:rPr lang="en-US" dirty="0" smtClean="0">
+                <a:latin typeface="Times New Roman" panose="02020603050405020304" pitchFamily="18" charset="0"/>
+                <a:cs typeface="Times New Roman" panose="02020603050405020304" pitchFamily="18" charset="0"/>
+              </a:rPr>
+              <a:t>.</a:t>
+            </a:r>
+            <a:endParaRPr lang="en-US" dirty="0" smtClean="0">
+              <a:latin typeface="Times New Roman" panose="02020603050405020304" pitchFamily="18" charset="0"/>
+              <a:cs typeface="Times New Roman" panose="02020603050405020304" pitchFamily="18" charset="0"/>
+            </a:endParaRPr>
           </a:p>
           <a:p>
             <a:endParaRPr lang="en-US" dirty="0">
@@ -4049,19 +4782,8 @@
                 <a:latin typeface="Times New Roman" panose="02020603050405020304" pitchFamily="18" charset="0"/>
                 <a:cs typeface="Times New Roman" panose="02020603050405020304" pitchFamily="18" charset="0"/>
               </a:rPr>
-              <a:t>The  budget is an important factor for a journey. The drawback of the system is that it cannot record the persons expenses during </a:t>
-            </a:r>
-            <a:r>
-              <a:rPr lang="en-US" smtClean="0">
-                <a:latin typeface="Times New Roman" panose="02020603050405020304" pitchFamily="18" charset="0"/>
-                <a:cs typeface="Times New Roman" panose="02020603050405020304" pitchFamily="18" charset="0"/>
-              </a:rPr>
-              <a:t>their travelling.</a:t>
-            </a:r>
-            <a:endParaRPr lang="en-US" dirty="0" smtClean="0">
-              <a:latin typeface="Times New Roman" panose="02020603050405020304" pitchFamily="18" charset="0"/>
-              <a:cs typeface="Times New Roman" panose="02020603050405020304" pitchFamily="18" charset="0"/>
-            </a:endParaRPr>
+              <a:t>The  budget is an important factor for a journey. The drawback of the system is that it cannot record the persons expenses during their travelling.</a:t>
+            </a:r>
           </a:p>
           <a:p>
             <a:pPr marL="0" indent="0">
@@ -4154,7 +4876,7 @@
         <p:spPr/>
         <p:txBody>
           <a:bodyPr>
-            <a:normAutofit fontScale="92500" lnSpcReduction="20000"/>
+            <a:normAutofit fontScale="85000" lnSpcReduction="10000"/>
           </a:bodyPr>
           <a:lstStyle/>
           <a:p>
@@ -4163,13 +4885,62 @@
                 <a:latin typeface="Times New Roman" panose="02020603050405020304" pitchFamily="18" charset="0"/>
                 <a:cs typeface="Times New Roman" panose="02020603050405020304" pitchFamily="18" charset="0"/>
               </a:rPr>
-              <a:t>Travel mate is an android application by which an individual can access through all the information related to a destination providing the details of hotels, restaurants, tourist places , hospitals and information about the place</a:t>
+              <a:t>Travel mate is an android application by which an individual can access through all the information related to a </a:t>
             </a:r>
             <a:r>
               <a:rPr lang="en-US" dirty="0" smtClean="0">
                 <a:latin typeface="Times New Roman" panose="02020603050405020304" pitchFamily="18" charset="0"/>
                 <a:cs typeface="Times New Roman" panose="02020603050405020304" pitchFamily="18" charset="0"/>
               </a:rPr>
+              <a:t>destination, </a:t>
+            </a:r>
+            <a:r>
+              <a:rPr lang="en-US" dirty="0">
+                <a:latin typeface="Times New Roman" panose="02020603050405020304" pitchFamily="18" charset="0"/>
+                <a:cs typeface="Times New Roman" panose="02020603050405020304" pitchFamily="18" charset="0"/>
+              </a:rPr>
+              <a:t>providing the details of hotels, </a:t>
+            </a:r>
+            <a:r>
+              <a:rPr lang="en-US" dirty="0" smtClean="0">
+                <a:latin typeface="Times New Roman" panose="02020603050405020304" pitchFamily="18" charset="0"/>
+                <a:cs typeface="Times New Roman" panose="02020603050405020304" pitchFamily="18" charset="0"/>
+              </a:rPr>
+              <a:t> </a:t>
+            </a:r>
+            <a:r>
+              <a:rPr lang="en-US" dirty="0">
+                <a:latin typeface="Times New Roman" panose="02020603050405020304" pitchFamily="18" charset="0"/>
+                <a:cs typeface="Times New Roman" panose="02020603050405020304" pitchFamily="18" charset="0"/>
+              </a:rPr>
+              <a:t>tourist places , </a:t>
+            </a:r>
+            <a:r>
+              <a:rPr lang="en-US" dirty="0" smtClean="0">
+                <a:latin typeface="Times New Roman" panose="02020603050405020304" pitchFamily="18" charset="0"/>
+                <a:cs typeface="Times New Roman" panose="02020603050405020304" pitchFamily="18" charset="0"/>
+              </a:rPr>
+              <a:t>petrol pump</a:t>
+            </a:r>
+            <a:r>
+              <a:rPr lang="en-US" dirty="0" smtClean="0">
+                <a:latin typeface="Times New Roman" panose="02020603050405020304" pitchFamily="18" charset="0"/>
+                <a:cs typeface="Times New Roman" panose="02020603050405020304" pitchFamily="18" charset="0"/>
+              </a:rPr>
+              <a:t> </a:t>
+            </a:r>
+            <a:r>
+              <a:rPr lang="en-US" dirty="0">
+                <a:latin typeface="Times New Roman" panose="02020603050405020304" pitchFamily="18" charset="0"/>
+                <a:cs typeface="Times New Roman" panose="02020603050405020304" pitchFamily="18" charset="0"/>
+              </a:rPr>
+              <a:t>and information about the place</a:t>
+            </a:r>
+            <a:r>
+              <a:rPr lang="en-US" dirty="0" smtClean="0">
+                <a:latin typeface="Times New Roman" panose="02020603050405020304" pitchFamily="18" charset="0"/>
+                <a:cs typeface="Times New Roman" panose="02020603050405020304" pitchFamily="18" charset="0"/>
+              </a:rPr>
               <a:t>..</a:t>
             </a:r>
           </a:p>
@@ -4179,62 +4950,57 @@
                 <a:latin typeface="Times New Roman" panose="02020603050405020304" pitchFamily="18" charset="0"/>
                 <a:cs typeface="Times New Roman" panose="02020603050405020304" pitchFamily="18" charset="0"/>
               </a:rPr>
-              <a:t>The </a:t>
-            </a:r>
-            <a:r>
-              <a:rPr lang="en-US" dirty="0">
-                <a:latin typeface="Times New Roman" panose="02020603050405020304" pitchFamily="18" charset="0"/>
-                <a:cs typeface="Times New Roman" panose="02020603050405020304" pitchFamily="18" charset="0"/>
-              </a:rPr>
-              <a:t>key feature of this app is that it provide the information about the unpopular places which could be hard for the user to find the direction and other details about the place. The application also provide the user a feature through which they could mark the place in their favorites </a:t>
-            </a:r>
-            <a:r>
-              <a:rPr lang="en-US" dirty="0" err="1">
-                <a:latin typeface="Times New Roman" panose="02020603050405020304" pitchFamily="18" charset="0"/>
-                <a:cs typeface="Times New Roman" panose="02020603050405020304" pitchFamily="18" charset="0"/>
-              </a:rPr>
-              <a:t>list.So,next</a:t>
-            </a:r>
-            <a:r>
-              <a:rPr lang="en-US" dirty="0">
-                <a:latin typeface="Times New Roman" panose="02020603050405020304" pitchFamily="18" charset="0"/>
-                <a:cs typeface="Times New Roman" panose="02020603050405020304" pitchFamily="18" charset="0"/>
-              </a:rPr>
-              <a:t> time it would be easy for the user to find the destination as it would be listed in the home </a:t>
-            </a:r>
-            <a:r>
-              <a:rPr lang="en-US" dirty="0" smtClean="0">
-                <a:latin typeface="Times New Roman" panose="02020603050405020304" pitchFamily="18" charset="0"/>
-                <a:cs typeface="Times New Roman" panose="02020603050405020304" pitchFamily="18" charset="0"/>
-              </a:rPr>
-              <a:t>page</a:t>
-            </a:r>
-            <a:r>
-              <a:rPr lang="en-US" smtClean="0">
-                <a:latin typeface="Times New Roman" panose="02020603050405020304" pitchFamily="18" charset="0"/>
-                <a:cs typeface="Times New Roman" panose="02020603050405020304" pitchFamily="18" charset="0"/>
-              </a:rPr>
-              <a:t>. </a:t>
-            </a:r>
-            <a:endParaRPr lang="en-US" smtClean="0">
+              <a:t>User can book the bus/hotel at anytime and also have an option to cancel the booking</a:t>
+            </a:r>
+            <a:endParaRPr lang="en-US" dirty="0" smtClean="0">
               <a:latin typeface="Times New Roman" panose="02020603050405020304" pitchFamily="18" charset="0"/>
               <a:cs typeface="Times New Roman" panose="02020603050405020304" pitchFamily="18" charset="0"/>
             </a:endParaRPr>
           </a:p>
           <a:p>
             <a:r>
-              <a:rPr lang="en-US" smtClean="0">
-                <a:latin typeface="Times New Roman" panose="02020603050405020304" pitchFamily="18" charset="0"/>
-                <a:cs typeface="Times New Roman" panose="02020603050405020304" pitchFamily="18" charset="0"/>
-              </a:rPr>
-              <a:t>This </a:t>
-            </a:r>
-            <a:r>
               <a:rPr lang="en-US" dirty="0" smtClean="0">
                 <a:latin typeface="Times New Roman" panose="02020603050405020304" pitchFamily="18" charset="0"/>
                 <a:cs typeface="Times New Roman" panose="02020603050405020304" pitchFamily="18" charset="0"/>
               </a:rPr>
-              <a:t>application also calculate expenses and remind traveler</a:t>
+              <a:t>The </a:t>
+            </a:r>
+            <a:r>
+              <a:rPr lang="en-US" dirty="0">
+                <a:latin typeface="Times New Roman" panose="02020603050405020304" pitchFamily="18" charset="0"/>
+                <a:cs typeface="Times New Roman" panose="02020603050405020304" pitchFamily="18" charset="0"/>
+              </a:rPr>
+              <a:t>key feature of this app is that it provide the information about the unpopular places which could be hard for the user to find the direction and other details about the place. The application also provide the user a feature through which they could mark the place in their favorites </a:t>
+            </a:r>
+            <a:r>
+              <a:rPr lang="en-US" dirty="0" err="1">
+                <a:latin typeface="Times New Roman" panose="02020603050405020304" pitchFamily="18" charset="0"/>
+                <a:cs typeface="Times New Roman" panose="02020603050405020304" pitchFamily="18" charset="0"/>
+              </a:rPr>
+              <a:t>list.So,next</a:t>
+            </a:r>
+            <a:r>
+              <a:rPr lang="en-US" dirty="0">
+                <a:latin typeface="Times New Roman" panose="02020603050405020304" pitchFamily="18" charset="0"/>
+                <a:cs typeface="Times New Roman" panose="02020603050405020304" pitchFamily="18" charset="0"/>
+              </a:rPr>
+              <a:t> time it would be easy for the user to find the destination as it would be listed in the home </a:t>
+            </a:r>
+            <a:r>
+              <a:rPr lang="en-US" dirty="0" smtClean="0">
+                <a:latin typeface="Times New Roman" panose="02020603050405020304" pitchFamily="18" charset="0"/>
+                <a:cs typeface="Times New Roman" panose="02020603050405020304" pitchFamily="18" charset="0"/>
+              </a:rPr>
+              <a:t>page. </a:t>
+            </a:r>
+          </a:p>
+          <a:p>
+            <a:r>
+              <a:rPr lang="en-US" dirty="0" smtClean="0">
+                <a:latin typeface="Times New Roman" panose="02020603050405020304" pitchFamily="18" charset="0"/>
+                <a:cs typeface="Times New Roman" panose="02020603050405020304" pitchFamily="18" charset="0"/>
+              </a:rPr>
+              <a:t>This application also calculate expenses and remind traveler</a:t>
             </a:r>
             <a:r>
               <a:rPr lang="en-US" dirty="0">
@@ -4699,6 +5465,29 @@
       </p:grpSpPr>
       <p:sp>
         <p:nvSpPr>
+          <p:cNvPr id="2" name="Title 1"/>
+          <p:cNvSpPr>
+            <a:spLocks noGrp="1"/>
+          </p:cNvSpPr>
+          <p:nvPr>
+            <p:ph type="title"/>
+          </p:nvPr>
+        </p:nvSpPr>
+        <p:spPr/>
+        <p:txBody>
+          <a:bodyPr/>
+          <a:lstStyle/>
+          <a:p>
+            <a:r>
+              <a:rPr lang="en-US" dirty="0" smtClean="0"/>
+              <a:t>Screenshots</a:t>
+            </a:r>
+            <a:endParaRPr lang="en-IN" dirty="0"/>
+          </a:p>
+        </p:txBody>
+      </p:sp>
+      <p:sp>
+        <p:nvSpPr>
           <p:cNvPr id="3" name="Content Placeholder 2"/>
           <p:cNvSpPr>
             <a:spLocks noGrp="1"/>
@@ -4712,64 +5501,96 @@
           <a:bodyPr/>
           <a:lstStyle/>
           <a:p>
-            <a:endParaRPr lang="en-US" dirty="0" smtClean="0"/>
-          </a:p>
-          <a:p>
-            <a:endParaRPr lang="en-US" dirty="0"/>
-          </a:p>
-          <a:p>
-            <a:endParaRPr lang="en-US" dirty="0" smtClean="0"/>
-          </a:p>
-          <a:p>
-            <a:endParaRPr lang="en-US" dirty="0"/>
-          </a:p>
-          <a:p>
-            <a:endParaRPr lang="en-US" dirty="0" smtClean="0"/>
-          </a:p>
-          <a:p>
-            <a:pPr marL="0" indent="0" algn="ctr">
+            <a:r>
+              <a:rPr lang="en-US" dirty="0" smtClean="0"/>
+              <a:t>Splash  page                             Login page                 </a:t>
+            </a:r>
+          </a:p>
+          <a:p>
+            <a:pPr marL="0" indent="0">
               <a:buNone/>
             </a:pPr>
-            <a:r>
-              <a:rPr lang="en-US" sz="8800" b="1" dirty="0" smtClean="0">
-                <a:solidFill>
-                  <a:schemeClr val="tx1"/>
-                </a:solidFill>
-                <a:effectLst>
-                  <a:outerShdw blurRad="38100" dist="38100" dir="2700000" algn="tl">
-                    <a:srgbClr val="000000">
-                      <a:alpha val="43137"/>
-                    </a:srgbClr>
-                  </a:outerShdw>
-                </a:effectLst>
-              </a:rPr>
-              <a:t>THANK YOU</a:t>
-            </a:r>
-            <a:endParaRPr lang="en-IN" sz="8800" b="1" dirty="0">
-              <a:solidFill>
-                <a:schemeClr val="tx1"/>
-              </a:solidFill>
-              <a:effectLst>
-                <a:outerShdw blurRad="38100" dist="38100" dir="2700000" algn="tl">
-                  <a:srgbClr val="000000">
-                    <a:alpha val="43137"/>
-                  </a:srgbClr>
-                </a:outerShdw>
-              </a:effectLst>
-            </a:endParaRPr>
-          </a:p>
-        </p:txBody>
-      </p:sp>
+            <a:endParaRPr lang="en-IN" dirty="0"/>
+          </a:p>
+        </p:txBody>
+      </p:sp>
+      <p:pic>
+        <p:nvPicPr>
+          <p:cNvPr id="4" name="Picture 3"/>
+          <p:cNvPicPr>
+            <a:picLocks noChangeAspect="1"/>
+          </p:cNvPicPr>
+          <p:nvPr/>
+        </p:nvPicPr>
+        <p:blipFill>
+          <a:blip r:embed="rId2" cstate="print">
+            <a:extLst>
+              <a:ext uri="{28A0092B-C50C-407E-A947-70E740481C1C}">
+                <a14:useLocalDpi xmlns:a14="http://schemas.microsoft.com/office/drawing/2010/main" val="0"/>
+              </a:ext>
+            </a:extLst>
+          </a:blip>
+          <a:stretch>
+            <a:fillRect/>
+          </a:stretch>
+        </p:blipFill>
+        <p:spPr>
+          <a:xfrm>
+            <a:off x="683568" y="2225488"/>
+            <a:ext cx="2160240" cy="4212468"/>
+          </a:xfrm>
+          <a:prstGeom prst="rect">
+            <a:avLst/>
+          </a:prstGeom>
+        </p:spPr>
+      </p:pic>
+      <p:pic>
+        <p:nvPicPr>
+          <p:cNvPr id="5" name="Picture 4"/>
+          <p:cNvPicPr>
+            <a:picLocks noChangeAspect="1"/>
+          </p:cNvPicPr>
+          <p:nvPr/>
+        </p:nvPicPr>
+        <p:blipFill>
+          <a:blip r:embed="rId3" cstate="print">
+            <a:extLst>
+              <a:ext uri="{28A0092B-C50C-407E-A947-70E740481C1C}">
+                <a14:useLocalDpi xmlns:a14="http://schemas.microsoft.com/office/drawing/2010/main" val="0"/>
+              </a:ext>
+            </a:extLst>
+          </a:blip>
+          <a:stretch>
+            <a:fillRect/>
+          </a:stretch>
+        </p:blipFill>
+        <p:spPr>
+          <a:xfrm>
+            <a:off x="5292080" y="2190673"/>
+            <a:ext cx="1902672" cy="4122457"/>
+          </a:xfrm>
+          <a:prstGeom prst="rect">
+            <a:avLst/>
+          </a:prstGeom>
+        </p:spPr>
+      </p:pic>
     </p:spTree>
     <p:extLst>
       <p:ext uri="{BB962C8B-B14F-4D97-AF65-F5344CB8AC3E}">
-        <p14:creationId xmlns:p14="http://schemas.microsoft.com/office/powerpoint/2010/main" val="2566066721"/>
+        <p14:creationId xmlns:p14="http://schemas.microsoft.com/office/powerpoint/2010/main" val="777685371"/>
       </p:ext>
     </p:extLst>
   </p:cSld>
   <p:clrMapOvr>
     <a:masterClrMapping/>
   </p:clrMapOvr>
+  <p:timing>
+    <p:tnLst>
+      <p:par>
+        <p:cTn id="1" dur="indefinite" restart="never" nodeType="tmRoot"/>
+      </p:par>
+    </p:tnLst>
+  </p:timing>
 </p:sld>
 </file>
 
